--- a/Later/Java_Later/MongoDB/25/MongoDB - Query Document_find.pptx
+++ b/Later/Java_Later/MongoDB/25/MongoDB - Query Document_find.pptx
@@ -192,7 +192,7 @@
           <a:p>
             <a:fld id="{62274EC6-3890-417B-9308-14EFBD00FA63}" type="datetimeFigureOut">
               <a:rPr lang="en-US" smtClean="0"/>
-              <a:t>12/16/2019</a:t>
+              <a:t>1/27/2020</a:t>
             </a:fld>
             <a:endParaRPr lang="en-US" dirty="0"/>
           </a:p>
@@ -731,7 +731,7 @@
             <a:fld id="{1D8BD707-D9CF-40AE-B4C6-C98DA3205C09}" type="datetimeFigureOut">
               <a:rPr lang="en-US" smtClean="0"/>
               <a:pPr/>
-              <a:t>12/16/2019</a:t>
+              <a:t>1/27/2020</a:t>
             </a:fld>
             <a:endParaRPr lang="en-US" dirty="0"/>
           </a:p>
@@ -903,7 +903,7 @@
             <a:fld id="{1D8BD707-D9CF-40AE-B4C6-C98DA3205C09}" type="datetimeFigureOut">
               <a:rPr lang="en-US" smtClean="0"/>
               <a:pPr/>
-              <a:t>12/16/2019</a:t>
+              <a:t>1/27/2020</a:t>
             </a:fld>
             <a:endParaRPr lang="en-US" dirty="0"/>
           </a:p>
@@ -1085,7 +1085,7 @@
             <a:fld id="{1D8BD707-D9CF-40AE-B4C6-C98DA3205C09}" type="datetimeFigureOut">
               <a:rPr lang="en-US" smtClean="0"/>
               <a:pPr/>
-              <a:t>12/16/2019</a:t>
+              <a:t>1/27/2020</a:t>
             </a:fld>
             <a:endParaRPr lang="en-US" dirty="0"/>
           </a:p>
@@ -1257,7 +1257,7 @@
             <a:fld id="{1D8BD707-D9CF-40AE-B4C6-C98DA3205C09}" type="datetimeFigureOut">
               <a:rPr lang="en-US" smtClean="0"/>
               <a:pPr/>
-              <a:t>12/16/2019</a:t>
+              <a:t>1/27/2020</a:t>
             </a:fld>
             <a:endParaRPr lang="en-US" dirty="0"/>
           </a:p>
@@ -1505,7 +1505,7 @@
             <a:fld id="{1D8BD707-D9CF-40AE-B4C6-C98DA3205C09}" type="datetimeFigureOut">
               <a:rPr lang="en-US" smtClean="0"/>
               <a:pPr/>
-              <a:t>12/16/2019</a:t>
+              <a:t>1/27/2020</a:t>
             </a:fld>
             <a:endParaRPr lang="en-US" dirty="0"/>
           </a:p>
@@ -1795,7 +1795,7 @@
             <a:fld id="{1D8BD707-D9CF-40AE-B4C6-C98DA3205C09}" type="datetimeFigureOut">
               <a:rPr lang="en-US" smtClean="0"/>
               <a:pPr/>
-              <a:t>12/16/2019</a:t>
+              <a:t>1/27/2020</a:t>
             </a:fld>
             <a:endParaRPr lang="en-US" dirty="0"/>
           </a:p>
@@ -2224,7 +2224,7 @@
             <a:fld id="{1D8BD707-D9CF-40AE-B4C6-C98DA3205C09}" type="datetimeFigureOut">
               <a:rPr lang="en-US" smtClean="0"/>
               <a:pPr/>
-              <a:t>12/16/2019</a:t>
+              <a:t>1/27/2020</a:t>
             </a:fld>
             <a:endParaRPr lang="en-US" dirty="0"/>
           </a:p>
@@ -2344,7 +2344,7 @@
             <a:fld id="{1D8BD707-D9CF-40AE-B4C6-C98DA3205C09}" type="datetimeFigureOut">
               <a:rPr lang="en-US" smtClean="0"/>
               <a:pPr/>
-              <a:t>12/16/2019</a:t>
+              <a:t>1/27/2020</a:t>
             </a:fld>
             <a:endParaRPr lang="en-US" dirty="0"/>
           </a:p>
@@ -2441,7 +2441,7 @@
             <a:fld id="{1D8BD707-D9CF-40AE-B4C6-C98DA3205C09}" type="datetimeFigureOut">
               <a:rPr lang="en-US" smtClean="0"/>
               <a:pPr/>
-              <a:t>12/16/2019</a:t>
+              <a:t>1/27/2020</a:t>
             </a:fld>
             <a:endParaRPr lang="en-US" dirty="0"/>
           </a:p>
@@ -2720,7 +2720,7 @@
             <a:fld id="{1D8BD707-D9CF-40AE-B4C6-C98DA3205C09}" type="datetimeFigureOut">
               <a:rPr lang="en-US" smtClean="0"/>
               <a:pPr/>
-              <a:t>12/16/2019</a:t>
+              <a:t>1/27/2020</a:t>
             </a:fld>
             <a:endParaRPr lang="en-US" dirty="0"/>
           </a:p>
@@ -2975,7 +2975,7 @@
             <a:fld id="{1D8BD707-D9CF-40AE-B4C6-C98DA3205C09}" type="datetimeFigureOut">
               <a:rPr lang="en-US" smtClean="0"/>
               <a:pPr/>
-              <a:t>12/16/2019</a:t>
+              <a:t>1/27/2020</a:t>
             </a:fld>
             <a:endParaRPr lang="en-US" dirty="0"/>
           </a:p>
@@ -3190,7 +3190,7 @@
             <a:fld id="{1D8BD707-D9CF-40AE-B4C6-C98DA3205C09}" type="datetimeFigureOut">
               <a:rPr lang="en-US" smtClean="0"/>
               <a:pPr/>
-              <a:t>12/16/2019</a:t>
+              <a:t>1/27/2020</a:t>
             </a:fld>
             <a:endParaRPr lang="en-US" dirty="0"/>
           </a:p>
@@ -3987,7 +3987,6 @@
               <a:rPr lang="en-US" sz="1200" dirty="0"/>
               <a:t>()</a:t>
             </a:r>
-            <a:endParaRPr lang="en-US" sz="1200" dirty="0"/>
           </a:p>
         </p:txBody>
       </p:sp>
@@ -4073,7 +4072,6 @@
               <a:rPr lang="en-US" sz="1200" dirty="0"/>
               <a:t> method.</a:t>
             </a:r>
-            <a:endParaRPr lang="en-US" sz="1200" dirty="0"/>
           </a:p>
         </p:txBody>
       </p:sp>
@@ -4153,7 +4151,6 @@
               <a:rPr lang="en-US" sz="1200" dirty="0"/>
               <a:t>()</a:t>
             </a:r>
-            <a:endParaRPr lang="en-US" sz="1200" dirty="0"/>
           </a:p>
         </p:txBody>
       </p:sp>
@@ -4194,19 +4191,7 @@
           <a:p>
             <a:r>
               <a:rPr lang="en-US" sz="1200" dirty="0" smtClean="0"/>
-              <a:t>Example to </a:t>
-            </a:r>
-            <a:r>
-              <a:rPr lang="en-US" sz="1200" dirty="0" smtClean="0"/>
-              <a:t>query</a:t>
-            </a:r>
-            <a:r>
-              <a:rPr lang="en-US" sz="1200" dirty="0" smtClean="0"/>
-              <a:t> </a:t>
-            </a:r>
-            <a:r>
-              <a:rPr lang="en-US" sz="1200" dirty="0" smtClean="0"/>
-              <a:t>Document</a:t>
+              <a:t>Example to query Document</a:t>
             </a:r>
             <a:endParaRPr lang="en-US" sz="1200" dirty="0"/>
           </a:p>
@@ -4288,7 +4273,118 @@
               <a:rPr lang="en-US" sz="1200" dirty="0"/>
               <a:t> method, that returns only one document</a:t>
             </a:r>
-            <a:endParaRPr lang="en-US" sz="1200" dirty="0"/>
+          </a:p>
+        </p:txBody>
+      </p:sp>
+      <p:sp>
+        <p:nvSpPr>
+          <p:cNvPr id="7" name="Rectangle 1"/>
+          <p:cNvSpPr>
+            <a:spLocks noChangeArrowheads="1"/>
+          </p:cNvSpPr>
+          <p:nvPr/>
+        </p:nvSpPr>
+        <p:spPr bwMode="auto">
+          <a:xfrm>
+            <a:off x="460375" y="2140554"/>
+            <a:ext cx="9144000" cy="457200"/>
+          </a:xfrm>
+          <a:prstGeom prst="rect">
+            <a:avLst/>
+          </a:prstGeom>
+          <a:solidFill>
+            <a:srgbClr val="EEEEEE"/>
+          </a:solidFill>
+          <a:ln>
+            <a:noFill/>
+          </a:ln>
+          <a:effectLst/>
+          <a:extLst>
+            <a:ext uri="{91240B29-F687-4F45-9708-019B960494DF}">
+              <a14:hiddenLine xmlns:a14="http://schemas.microsoft.com/office/drawing/2010/main" w="9525">
+                <a:solidFill>
+                  <a:schemeClr val="tx1"/>
+                </a:solidFill>
+                <a:miter lim="800000"/>
+                <a:headEnd/>
+                <a:tailEnd/>
+              </a14:hiddenLine>
+            </a:ext>
+            <a:ext uri="{AF507438-7753-43E0-B8FC-AC1667EBCBE1}">
+              <a14:hiddenEffects xmlns:a14="http://schemas.microsoft.com/office/drawing/2010/main">
+                <a:effectLst>
+                  <a:outerShdw dist="35921" dir="2700000" algn="ctr" rotWithShape="0">
+                    <a:schemeClr val="bg2"/>
+                  </a:outerShdw>
+                </a:effectLst>
+              </a14:hiddenEffects>
+            </a:ext>
+          </a:extLst>
+        </p:spPr>
+        <p:txBody>
+          <a:bodyPr vert="horz" wrap="none" lIns="91440" tIns="45720" rIns="91440" bIns="45720" numCol="1" anchor="ctr" anchorCtr="0" compatLnSpc="1">
+            <a:prstTxWarp prst="textNoShape">
+              <a:avLst/>
+            </a:prstTxWarp>
+            <a:spAutoFit/>
+          </a:bodyPr>
+          <a:lstStyle/>
+          <a:p>
+            <a:pPr marL="0" marR="0" lvl="0" indent="0" algn="l" defTabSz="914400" rtl="0" eaLnBrk="1" fontAlgn="base" latinLnBrk="0" hangingPunct="1">
+              <a:lnSpc>
+                <a:spcPct val="100000"/>
+              </a:lnSpc>
+              <a:spcBef>
+                <a:spcPct val="0"/>
+              </a:spcBef>
+              <a:spcAft>
+                <a:spcPct val="0"/>
+              </a:spcAft>
+              <a:buClrTx/>
+              <a:buSzTx/>
+              <a:buFontTx/>
+              <a:buNone/>
+              <a:tabLst/>
+            </a:pPr>
+            <a:r>
+              <a:rPr kumimoji="0" lang="en-US" sz="900" b="0" i="0" u="none" strike="noStrike" cap="none" normalizeH="0" baseline="0" smtClean="0">
+                <a:ln>
+                  <a:noFill/>
+                </a:ln>
+                <a:solidFill>
+                  <a:srgbClr val="000000"/>
+                </a:solidFill>
+                <a:effectLst/>
+                <a:latin typeface="Consolas" pitchFamily="49" charset="0"/>
+                <a:cs typeface="Consolas" pitchFamily="49" charset="0"/>
+              </a:rPr>
+              <a:t>db.students.find().forEach(printjson);</a:t>
+            </a:r>
+            <a:r>
+              <a:rPr kumimoji="0" lang="en-US" sz="800" b="0" i="0" u="none" strike="noStrike" cap="none" normalizeH="0" baseline="0" smtClean="0">
+                <a:ln>
+                  <a:noFill/>
+                </a:ln>
+                <a:solidFill>
+                  <a:schemeClr val="tx1"/>
+                </a:solidFill>
+                <a:effectLst/>
+                <a:latin typeface="Arial" pitchFamily="34" charset="0"/>
+                <a:cs typeface="Arial" pitchFamily="34" charset="0"/>
+              </a:rPr>
+              <a:t> </a:t>
+            </a:r>
+            <a:endParaRPr kumimoji="0" lang="en-US" sz="1800" b="0" i="0" u="none" strike="noStrike" cap="none" normalizeH="0" baseline="0" smtClean="0">
+              <a:ln>
+                <a:noFill/>
+              </a:ln>
+              <a:solidFill>
+                <a:schemeClr val="tx1"/>
+              </a:solidFill>
+              <a:effectLst/>
+              <a:latin typeface="Arial" pitchFamily="34" charset="0"/>
+              <a:cs typeface="Arial" pitchFamily="34" charset="0"/>
+            </a:endParaRPr>
           </a:p>
         </p:txBody>
       </p:sp>
